--- a/docs/images/lamp.pptx
+++ b/docs/images/lamp.pptx
@@ -261,7 +261,7 @@
           <a:p>
             <a:fld id="{5D71A607-8943-5548-85F7-AAC0F883C8B1}" type="datetimeFigureOut">
               <a:rPr lang="en-US" smtClean="0"/>
-              <a:t>2/2/22</a:t>
+              <a:t>3/14/23</a:t>
             </a:fld>
             <a:endParaRPr lang="en-US"/>
           </a:p>
@@ -461,7 +461,7 @@
           <a:p>
             <a:fld id="{5D71A607-8943-5548-85F7-AAC0F883C8B1}" type="datetimeFigureOut">
               <a:rPr lang="en-US" smtClean="0"/>
-              <a:t>2/2/22</a:t>
+              <a:t>3/14/23</a:t>
             </a:fld>
             <a:endParaRPr lang="en-US"/>
           </a:p>
@@ -671,7 +671,7 @@
           <a:p>
             <a:fld id="{5D71A607-8943-5548-85F7-AAC0F883C8B1}" type="datetimeFigureOut">
               <a:rPr lang="en-US" smtClean="0"/>
-              <a:t>2/2/22</a:t>
+              <a:t>3/14/23</a:t>
             </a:fld>
             <a:endParaRPr lang="en-US"/>
           </a:p>
@@ -871,7 +871,7 @@
           <a:p>
             <a:fld id="{5D71A607-8943-5548-85F7-AAC0F883C8B1}" type="datetimeFigureOut">
               <a:rPr lang="en-US" smtClean="0"/>
-              <a:t>2/2/22</a:t>
+              <a:t>3/14/23</a:t>
             </a:fld>
             <a:endParaRPr lang="en-US"/>
           </a:p>
@@ -1147,7 +1147,7 @@
           <a:p>
             <a:fld id="{5D71A607-8943-5548-85F7-AAC0F883C8B1}" type="datetimeFigureOut">
               <a:rPr lang="en-US" smtClean="0"/>
-              <a:t>2/2/22</a:t>
+              <a:t>3/14/23</a:t>
             </a:fld>
             <a:endParaRPr lang="en-US"/>
           </a:p>
@@ -1415,7 +1415,7 @@
           <a:p>
             <a:fld id="{5D71A607-8943-5548-85F7-AAC0F883C8B1}" type="datetimeFigureOut">
               <a:rPr lang="en-US" smtClean="0"/>
-              <a:t>2/2/22</a:t>
+              <a:t>3/14/23</a:t>
             </a:fld>
             <a:endParaRPr lang="en-US"/>
           </a:p>
@@ -1830,7 +1830,7 @@
           <a:p>
             <a:fld id="{5D71A607-8943-5548-85F7-AAC0F883C8B1}" type="datetimeFigureOut">
               <a:rPr lang="en-US" smtClean="0"/>
-              <a:t>2/2/22</a:t>
+              <a:t>3/14/23</a:t>
             </a:fld>
             <a:endParaRPr lang="en-US"/>
           </a:p>
@@ -1972,7 +1972,7 @@
           <a:p>
             <a:fld id="{5D71A607-8943-5548-85F7-AAC0F883C8B1}" type="datetimeFigureOut">
               <a:rPr lang="en-US" smtClean="0"/>
-              <a:t>2/2/22</a:t>
+              <a:t>3/14/23</a:t>
             </a:fld>
             <a:endParaRPr lang="en-US"/>
           </a:p>
@@ -2085,7 +2085,7 @@
           <a:p>
             <a:fld id="{5D71A607-8943-5548-85F7-AAC0F883C8B1}" type="datetimeFigureOut">
               <a:rPr lang="en-US" smtClean="0"/>
-              <a:t>2/2/22</a:t>
+              <a:t>3/14/23</a:t>
             </a:fld>
             <a:endParaRPr lang="en-US"/>
           </a:p>
@@ -2398,7 +2398,7 @@
           <a:p>
             <a:fld id="{5D71A607-8943-5548-85F7-AAC0F883C8B1}" type="datetimeFigureOut">
               <a:rPr lang="en-US" smtClean="0"/>
-              <a:t>2/2/22</a:t>
+              <a:t>3/14/23</a:t>
             </a:fld>
             <a:endParaRPr lang="en-US"/>
           </a:p>
@@ -2687,7 +2687,7 @@
           <a:p>
             <a:fld id="{5D71A607-8943-5548-85F7-AAC0F883C8B1}" type="datetimeFigureOut">
               <a:rPr lang="en-US" smtClean="0"/>
-              <a:t>2/2/22</a:t>
+              <a:t>3/14/23</a:t>
             </a:fld>
             <a:endParaRPr lang="en-US"/>
           </a:p>
@@ -2930,7 +2930,7 @@
           <a:p>
             <a:fld id="{5D71A607-8943-5548-85F7-AAC0F883C8B1}" type="datetimeFigureOut">
               <a:rPr lang="en-US" smtClean="0"/>
-              <a:t>2/2/22</a:t>
+              <a:t>3/14/23</a:t>
             </a:fld>
             <a:endParaRPr lang="en-US"/>
           </a:p>
@@ -3461,23 +3461,7 @@
                   <a:schemeClr val="tx1"/>
                 </a:solidFill>
               </a:rPr>
-              <a:t>Colony Web app (</a:t>
-            </a:r>
-            <a:r>
-              <a:rPr lang="en-US" dirty="0" err="1">
-                <a:solidFill>
-                  <a:schemeClr val="tx1"/>
-                </a:solidFill>
-              </a:rPr>
-              <a:t>Javascript</a:t>
-            </a:r>
-            <a:r>
-              <a:rPr lang="en-US" dirty="0">
-                <a:solidFill>
-                  <a:schemeClr val="tx1"/>
-                </a:solidFill>
-              </a:rPr>
-              <a:t>)</a:t>
+              <a:t>Web app (JavaScript)</a:t>
             </a:r>
           </a:p>
         </p:txBody>
@@ -3549,13 +3533,12 @@
           </p:cNvPr>
           <p:cNvCxnSpPr>
             <a:cxnSpLocks/>
-            <a:stCxn id="4" idx="2"/>
           </p:cNvCxnSpPr>
           <p:nvPr/>
         </p:nvCxnSpPr>
         <p:spPr>
           <a:xfrm>
-            <a:off x="5857583" y="4162983"/>
+            <a:off x="6783855" y="4162983"/>
             <a:ext cx="0" cy="985452"/>
           </a:xfrm>
           <a:prstGeom prst="straightConnector1">
@@ -3598,7 +3581,7 @@
         </p:nvSpPr>
         <p:spPr>
           <a:xfrm>
-            <a:off x="4481282" y="4617396"/>
+            <a:off x="6095857" y="4617396"/>
             <a:ext cx="1781579" cy="338554"/>
           </a:xfrm>
           <a:prstGeom prst="rect">
@@ -3614,7 +3597,7 @@
           <a:p>
             <a:r>
               <a:rPr lang="en-US" sz="1600" dirty="0"/>
-              <a:t>AssignProcess</a:t>
+              <a:t>Assign</a:t>
             </a:r>
             <a:endParaRPr lang="en-US" dirty="0"/>
           </a:p>
@@ -3678,7 +3661,7 @@
                   <a:schemeClr val="tx1"/>
                 </a:solidFill>
               </a:rPr>
-              <a:t>colonies CLI</a:t>
+              <a:t>Colonies CLI</a:t>
             </a:r>
           </a:p>
         </p:txBody>
@@ -3697,7 +3680,7 @@
         </p:nvSpPr>
         <p:spPr>
           <a:xfrm>
-            <a:off x="8612106" y="5465834"/>
+            <a:off x="9086145" y="5641123"/>
             <a:ext cx="1781579" cy="338554"/>
           </a:xfrm>
           <a:prstGeom prst="rect">
@@ -3713,7 +3696,7 @@
           <a:p>
             <a:r>
               <a:rPr lang="en-US" sz="1600" dirty="0"/>
-              <a:t>process_spec.json</a:t>
+              <a:t>Submit</a:t>
             </a:r>
             <a:endParaRPr lang="en-US" dirty="0"/>
           </a:p>
@@ -3735,7 +3718,7 @@
         </p:nvCxnSpPr>
         <p:spPr>
           <a:xfrm flipH="1">
-            <a:off x="8473416" y="5849462"/>
+            <a:off x="8473415" y="6004567"/>
             <a:ext cx="1942401" cy="13024"/>
           </a:xfrm>
           <a:prstGeom prst="straightConnector1">
@@ -3764,57 +3747,12 @@
           </a:fontRef>
         </p:style>
       </p:cxnSp>
-      <p:cxnSp>
-        <p:nvCxnSpPr>
-          <p:cNvPr id="49" name="Straight Arrow Connector 48">
-            <a:extLst>
-              <a:ext uri="{FF2B5EF4-FFF2-40B4-BE49-F238E27FC236}">
-                <a16:creationId xmlns:a16="http://schemas.microsoft.com/office/drawing/2014/main" id="{411F8E93-942D-C242-BFE9-0E1D0FBA8CE4}"/>
-              </a:ext>
-            </a:extLst>
-          </p:cNvPr>
-          <p:cNvCxnSpPr>
-            <a:cxnSpLocks/>
-          </p:cNvCxnSpPr>
-          <p:nvPr/>
-        </p:nvCxnSpPr>
-        <p:spPr>
-          <a:xfrm flipH="1">
-            <a:off x="8473415" y="6139454"/>
-            <a:ext cx="1942401" cy="13024"/>
-          </a:xfrm>
-          <a:prstGeom prst="straightConnector1">
-            <a:avLst/>
-          </a:prstGeom>
-          <a:ln w="15875">
-            <a:solidFill>
-              <a:schemeClr val="tx1"/>
-            </a:solidFill>
-            <a:headEnd type="triangle"/>
-            <a:tailEnd type="none"/>
-          </a:ln>
-        </p:spPr>
-        <p:style>
-          <a:lnRef idx="1">
-            <a:schemeClr val="accent1"/>
-          </a:lnRef>
-          <a:fillRef idx="0">
-            <a:schemeClr val="accent1"/>
-          </a:fillRef>
-          <a:effectRef idx="0">
-            <a:schemeClr val="accent1"/>
-          </a:effectRef>
-          <a:fontRef idx="minor">
-            <a:schemeClr val="tx1"/>
-          </a:fontRef>
-        </p:style>
-      </p:cxnSp>
-      <p:sp>
-        <p:nvSpPr>
-          <p:cNvPr id="50" name="TextBox 49">
-            <a:extLst>
-              <a:ext uri="{FF2B5EF4-FFF2-40B4-BE49-F238E27FC236}">
-                <a16:creationId xmlns:a16="http://schemas.microsoft.com/office/drawing/2014/main" id="{5422D961-5A38-F146-BC4F-4E449B86178C}"/>
+      <p:sp>
+        <p:nvSpPr>
+          <p:cNvPr id="52" name="TextBox 51">
+            <a:extLst>
+              <a:ext uri="{FF2B5EF4-FFF2-40B4-BE49-F238E27FC236}">
+                <a16:creationId xmlns:a16="http://schemas.microsoft.com/office/drawing/2014/main" id="{3B261034-E54C-B94C-A547-0CC94D3E21E7}"/>
               </a:ext>
             </a:extLst>
           </p:cNvPr>
@@ -3823,43 +3761,7 @@
         </p:nvSpPr>
         <p:spPr>
           <a:xfrm>
-            <a:off x="9014893" y="6181884"/>
-            <a:ext cx="1781579" cy="338554"/>
-          </a:xfrm>
-          <a:prstGeom prst="rect">
-            <a:avLst/>
-          </a:prstGeom>
-          <a:noFill/>
-        </p:spPr>
-        <p:txBody>
-          <a:bodyPr wrap="square">
-            <a:spAutoFit/>
-          </a:bodyPr>
-          <a:lstStyle/>
-          <a:p>
-            <a:r>
-              <a:rPr lang="en-US" sz="1600" dirty="0"/>
-              <a:t>result</a:t>
-            </a:r>
-            <a:endParaRPr lang="en-US" dirty="0"/>
-          </a:p>
-        </p:txBody>
-      </p:sp>
-      <p:sp>
-        <p:nvSpPr>
-          <p:cNvPr id="52" name="TextBox 51">
-            <a:extLst>
-              <a:ext uri="{FF2B5EF4-FFF2-40B4-BE49-F238E27FC236}">
-                <a16:creationId xmlns:a16="http://schemas.microsoft.com/office/drawing/2014/main" id="{3B261034-E54C-B94C-A547-0CC94D3E21E7}"/>
-              </a:ext>
-            </a:extLst>
-          </p:cNvPr>
-          <p:cNvSpPr txBox="1"/>
-          <p:nvPr/>
-        </p:nvSpPr>
-        <p:spPr>
-          <a:xfrm>
-            <a:off x="3179785" y="5288150"/>
+            <a:off x="3190213" y="5577637"/>
             <a:ext cx="6100548" cy="369332"/>
           </a:xfrm>
           <a:prstGeom prst="rect">
@@ -3885,234 +3787,6 @@
           </a:p>
         </p:txBody>
       </p:sp>
-      <p:sp>
-        <p:nvSpPr>
-          <p:cNvPr id="53" name="Rectangle 52">
-            <a:extLst>
-              <a:ext uri="{FF2B5EF4-FFF2-40B4-BE49-F238E27FC236}">
-                <a16:creationId xmlns:a16="http://schemas.microsoft.com/office/drawing/2014/main" id="{59CBF7B4-3BCA-8D46-822F-1097065091E9}"/>
-              </a:ext>
-            </a:extLst>
-          </p:cNvPr>
-          <p:cNvSpPr/>
-          <p:nvPr/>
-        </p:nvSpPr>
-        <p:spPr>
-          <a:xfrm>
-            <a:off x="4129916" y="5810186"/>
-            <a:ext cx="1298029" cy="296917"/>
-          </a:xfrm>
-          <a:prstGeom prst="rect">
-            <a:avLst/>
-          </a:prstGeom>
-          <a:solidFill>
-            <a:schemeClr val="bg2"/>
-          </a:solidFill>
-          <a:ln>
-            <a:solidFill>
-              <a:schemeClr val="tx1"/>
-            </a:solidFill>
-          </a:ln>
-        </p:spPr>
-        <p:style>
-          <a:lnRef idx="2">
-            <a:schemeClr val="accent1">
-              <a:shade val="50000"/>
-            </a:schemeClr>
-          </a:lnRef>
-          <a:fillRef idx="1">
-            <a:schemeClr val="accent1"/>
-          </a:fillRef>
-          <a:effectRef idx="0">
-            <a:schemeClr val="accent1"/>
-          </a:effectRef>
-          <a:fontRef idx="minor">
-            <a:schemeClr val="lt1"/>
-          </a:fontRef>
-        </p:style>
-        <p:txBody>
-          <a:bodyPr rtlCol="0" anchor="ctr"/>
-          <a:lstStyle/>
-          <a:p>
-            <a:pPr algn="ctr"/>
-            <a:r>
-              <a:rPr lang="en-US" sz="1600" dirty="0">
-                <a:solidFill>
-                  <a:schemeClr val="tx1"/>
-                </a:solidFill>
-              </a:rPr>
-              <a:t>Queue</a:t>
-            </a:r>
-          </a:p>
-        </p:txBody>
-      </p:sp>
-      <p:sp>
-        <p:nvSpPr>
-          <p:cNvPr id="54" name="Rectangle 53">
-            <a:extLst>
-              <a:ext uri="{FF2B5EF4-FFF2-40B4-BE49-F238E27FC236}">
-                <a16:creationId xmlns:a16="http://schemas.microsoft.com/office/drawing/2014/main" id="{136A80AE-6957-D942-BD8E-52CD136990E1}"/>
-              </a:ext>
-            </a:extLst>
-          </p:cNvPr>
-          <p:cNvSpPr/>
-          <p:nvPr/>
-        </p:nvSpPr>
-        <p:spPr>
-          <a:xfrm>
-            <a:off x="5581045" y="5811444"/>
-            <a:ext cx="1298029" cy="296917"/>
-          </a:xfrm>
-          <a:prstGeom prst="rect">
-            <a:avLst/>
-          </a:prstGeom>
-          <a:solidFill>
-            <a:schemeClr val="bg2"/>
-          </a:solidFill>
-          <a:ln>
-            <a:solidFill>
-              <a:schemeClr val="tx1"/>
-            </a:solidFill>
-          </a:ln>
-        </p:spPr>
-        <p:style>
-          <a:lnRef idx="2">
-            <a:schemeClr val="accent1">
-              <a:shade val="50000"/>
-            </a:schemeClr>
-          </a:lnRef>
-          <a:fillRef idx="1">
-            <a:schemeClr val="accent1"/>
-          </a:fillRef>
-          <a:effectRef idx="0">
-            <a:schemeClr val="accent1"/>
-          </a:effectRef>
-          <a:fontRef idx="minor">
-            <a:schemeClr val="lt1"/>
-          </a:fontRef>
-        </p:style>
-        <p:txBody>
-          <a:bodyPr rtlCol="0" anchor="ctr"/>
-          <a:lstStyle/>
-          <a:p>
-            <a:pPr algn="ctr"/>
-            <a:r>
-              <a:rPr lang="en-US" sz="1600" dirty="0">
-                <a:solidFill>
-                  <a:schemeClr val="tx1"/>
-                </a:solidFill>
-              </a:rPr>
-              <a:t>Scheduler</a:t>
-            </a:r>
-          </a:p>
-        </p:txBody>
-      </p:sp>
-      <p:sp>
-        <p:nvSpPr>
-          <p:cNvPr id="55" name="Rectangle 54">
-            <a:extLst>
-              <a:ext uri="{FF2B5EF4-FFF2-40B4-BE49-F238E27FC236}">
-                <a16:creationId xmlns:a16="http://schemas.microsoft.com/office/drawing/2014/main" id="{3B1D9D4A-A222-444F-88A9-4B2816212B2B}"/>
-              </a:ext>
-            </a:extLst>
-          </p:cNvPr>
-          <p:cNvSpPr/>
-          <p:nvPr/>
-        </p:nvSpPr>
-        <p:spPr>
-          <a:xfrm>
-            <a:off x="7038368" y="5811444"/>
-            <a:ext cx="1298029" cy="296917"/>
-          </a:xfrm>
-          <a:prstGeom prst="rect">
-            <a:avLst/>
-          </a:prstGeom>
-          <a:solidFill>
-            <a:schemeClr val="bg2"/>
-          </a:solidFill>
-          <a:ln>
-            <a:solidFill>
-              <a:schemeClr val="tx1"/>
-            </a:solidFill>
-          </a:ln>
-        </p:spPr>
-        <p:style>
-          <a:lnRef idx="2">
-            <a:schemeClr val="accent1">
-              <a:shade val="50000"/>
-            </a:schemeClr>
-          </a:lnRef>
-          <a:fillRef idx="1">
-            <a:schemeClr val="accent1"/>
-          </a:fillRef>
-          <a:effectRef idx="0">
-            <a:schemeClr val="accent1"/>
-          </a:effectRef>
-          <a:fontRef idx="minor">
-            <a:schemeClr val="lt1"/>
-          </a:fontRef>
-        </p:style>
-        <p:txBody>
-          <a:bodyPr rtlCol="0" anchor="ctr"/>
-          <a:lstStyle/>
-          <a:p>
-            <a:pPr algn="ctr"/>
-            <a:r>
-              <a:rPr lang="en-US" sz="1600" dirty="0">
-                <a:solidFill>
-                  <a:schemeClr val="tx1"/>
-                </a:solidFill>
-              </a:rPr>
-              <a:t>Security</a:t>
-            </a:r>
-          </a:p>
-        </p:txBody>
-      </p:sp>
-      <p:cxnSp>
-        <p:nvCxnSpPr>
-          <p:cNvPr id="40" name="Straight Arrow Connector 39">
-            <a:extLst>
-              <a:ext uri="{FF2B5EF4-FFF2-40B4-BE49-F238E27FC236}">
-                <a16:creationId xmlns:a16="http://schemas.microsoft.com/office/drawing/2014/main" id="{531E6FF8-0AE7-3644-B7FA-1CD8F5CA6F7E}"/>
-              </a:ext>
-            </a:extLst>
-          </p:cNvPr>
-          <p:cNvCxnSpPr>
-            <a:cxnSpLocks/>
-          </p:cNvCxnSpPr>
-          <p:nvPr/>
-        </p:nvCxnSpPr>
-        <p:spPr>
-          <a:xfrm>
-            <a:off x="6668138" y="4151181"/>
-            <a:ext cx="0" cy="997254"/>
-          </a:xfrm>
-          <a:prstGeom prst="straightConnector1">
-            <a:avLst/>
-          </a:prstGeom>
-          <a:ln w="15875">
-            <a:solidFill>
-              <a:schemeClr val="tx1"/>
-            </a:solidFill>
-            <a:headEnd type="triangle"/>
-            <a:tailEnd type="none"/>
-          </a:ln>
-        </p:spPr>
-        <p:style>
-          <a:lnRef idx="1">
-            <a:schemeClr val="accent1"/>
-          </a:lnRef>
-          <a:fillRef idx="0">
-            <a:schemeClr val="accent1"/>
-          </a:fillRef>
-          <a:effectRef idx="0">
-            <a:schemeClr val="accent1"/>
-          </a:effectRef>
-          <a:fontRef idx="minor">
-            <a:schemeClr val="tx1"/>
-          </a:fontRef>
-        </p:style>
-      </p:cxnSp>
       <p:sp>
         <p:nvSpPr>
           <p:cNvPr id="47" name="TextBox 46">
@@ -4210,42 +3884,6 @@
               </a:rPr>
               <a:t>Web server</a:t>
             </a:r>
-          </a:p>
-        </p:txBody>
-      </p:sp>
-      <p:sp>
-        <p:nvSpPr>
-          <p:cNvPr id="51" name="TextBox 50">
-            <a:extLst>
-              <a:ext uri="{FF2B5EF4-FFF2-40B4-BE49-F238E27FC236}">
-                <a16:creationId xmlns:a16="http://schemas.microsoft.com/office/drawing/2014/main" id="{D32CF09E-9462-E549-AA26-2932FD01E9BD}"/>
-              </a:ext>
-            </a:extLst>
-          </p:cNvPr>
-          <p:cNvSpPr txBox="1"/>
-          <p:nvPr/>
-        </p:nvSpPr>
-        <p:spPr>
-          <a:xfrm>
-            <a:off x="6698907" y="4636901"/>
-            <a:ext cx="1781579" cy="338554"/>
-          </a:xfrm>
-          <a:prstGeom prst="rect">
-            <a:avLst/>
-          </a:prstGeom>
-          <a:noFill/>
-        </p:spPr>
-        <p:txBody>
-          <a:bodyPr wrap="square">
-            <a:spAutoFit/>
-          </a:bodyPr>
-          <a:lstStyle/>
-          <a:p>
-            <a:r>
-              <a:rPr lang="en-US" sz="1600" dirty="0"/>
-              <a:t>Process Spec</a:t>
-            </a:r>
-            <a:endParaRPr lang="en-US" dirty="0"/>
           </a:p>
         </p:txBody>
       </p:sp>
@@ -4422,6 +4060,87 @@
           </a:extLst>
         </p:spPr>
       </p:pic>
+      <p:cxnSp>
+        <p:nvCxnSpPr>
+          <p:cNvPr id="2" name="Straight Arrow Connector 1">
+            <a:extLst>
+              <a:ext uri="{FF2B5EF4-FFF2-40B4-BE49-F238E27FC236}">
+                <a16:creationId xmlns:a16="http://schemas.microsoft.com/office/drawing/2014/main" id="{D0956DC5-9F7F-EB58-E03F-C39A5BB0F6ED}"/>
+              </a:ext>
+            </a:extLst>
+          </p:cNvPr>
+          <p:cNvCxnSpPr>
+            <a:cxnSpLocks/>
+          </p:cNvCxnSpPr>
+          <p:nvPr/>
+        </p:nvCxnSpPr>
+        <p:spPr>
+          <a:xfrm>
+            <a:off x="5606219" y="4144175"/>
+            <a:ext cx="0" cy="985452"/>
+          </a:xfrm>
+          <a:prstGeom prst="straightConnector1">
+            <a:avLst/>
+          </a:prstGeom>
+          <a:ln w="15875">
+            <a:solidFill>
+              <a:schemeClr val="tx1"/>
+            </a:solidFill>
+            <a:headEnd type="none"/>
+            <a:tailEnd type="triangle"/>
+          </a:ln>
+        </p:spPr>
+        <p:style>
+          <a:lnRef idx="1">
+            <a:schemeClr val="accent1"/>
+          </a:lnRef>
+          <a:fillRef idx="0">
+            <a:schemeClr val="accent1"/>
+          </a:fillRef>
+          <a:effectRef idx="0">
+            <a:schemeClr val="accent1"/>
+          </a:effectRef>
+          <a:fontRef idx="minor">
+            <a:schemeClr val="tx1"/>
+          </a:fontRef>
+        </p:style>
+      </p:cxnSp>
+      <p:sp>
+        <p:nvSpPr>
+          <p:cNvPr id="3" name="TextBox 2">
+            <a:extLst>
+              <a:ext uri="{FF2B5EF4-FFF2-40B4-BE49-F238E27FC236}">
+                <a16:creationId xmlns:a16="http://schemas.microsoft.com/office/drawing/2014/main" id="{40CEBF2D-DAAC-487D-65E4-E85295C3DB22}"/>
+              </a:ext>
+            </a:extLst>
+          </p:cNvPr>
+          <p:cNvSpPr txBox="1"/>
+          <p:nvPr/>
+        </p:nvSpPr>
+        <p:spPr>
+          <a:xfrm>
+            <a:off x="5009590" y="4617396"/>
+            <a:ext cx="1781579" cy="338554"/>
+          </a:xfrm>
+          <a:prstGeom prst="rect">
+            <a:avLst/>
+          </a:prstGeom>
+          <a:noFill/>
+        </p:spPr>
+        <p:txBody>
+          <a:bodyPr wrap="square">
+            <a:spAutoFit/>
+          </a:bodyPr>
+          <a:lstStyle/>
+          <a:p>
+            <a:r>
+              <a:rPr lang="en-US" sz="1600" dirty="0"/>
+              <a:t>Close</a:t>
+            </a:r>
+            <a:endParaRPr lang="en-US" dirty="0"/>
+          </a:p>
+        </p:txBody>
+      </p:sp>
     </p:spTree>
     <p:extLst>
       <p:ext uri="{BB962C8B-B14F-4D97-AF65-F5344CB8AC3E}">
